--- a/Monograph/卒論資料PP/ネットワークトモグラフィとは.pptx
+++ b/Monograph/卒論資料PP/ネットワークトモグラフィとは.pptx
@@ -243,7 +243,7 @@
           <a:p>
             <a:fld id="{1D5AF6A2-9FBD-5145-B7BF-A21054C404F5}" type="datetimeFigureOut">
               <a:rPr kumimoji="1" lang="ja-JP" altLang="en-US" smtClean="0"/>
-              <a:t>2016/1/31</a:t>
+              <a:t>2016/2/15</a:t>
             </a:fld>
             <a:endParaRPr kumimoji="1" lang="ja-JP" altLang="en-US"/>
           </a:p>
@@ -445,7 +445,7 @@
           <a:p>
             <a:fld id="{1D5AF6A2-9FBD-5145-B7BF-A21054C404F5}" type="datetimeFigureOut">
               <a:rPr kumimoji="1" lang="ja-JP" altLang="en-US" smtClean="0"/>
-              <a:t>2016/1/31</a:t>
+              <a:t>2016/2/15</a:t>
             </a:fld>
             <a:endParaRPr kumimoji="1" lang="ja-JP" altLang="en-US"/>
           </a:p>
@@ -657,7 +657,7 @@
           <a:p>
             <a:fld id="{1D5AF6A2-9FBD-5145-B7BF-A21054C404F5}" type="datetimeFigureOut">
               <a:rPr kumimoji="1" lang="ja-JP" altLang="en-US" smtClean="0"/>
-              <a:t>2016/1/31</a:t>
+              <a:t>2016/2/15</a:t>
             </a:fld>
             <a:endParaRPr kumimoji="1" lang="ja-JP" altLang="en-US"/>
           </a:p>
@@ -859,7 +859,7 @@
           <a:p>
             <a:fld id="{1D5AF6A2-9FBD-5145-B7BF-A21054C404F5}" type="datetimeFigureOut">
               <a:rPr kumimoji="1" lang="ja-JP" altLang="en-US" smtClean="0"/>
-              <a:t>2016/1/31</a:t>
+              <a:t>2016/2/15</a:t>
             </a:fld>
             <a:endParaRPr kumimoji="1" lang="ja-JP" altLang="en-US"/>
           </a:p>
@@ -1105,7 +1105,7 @@
           <a:p>
             <a:fld id="{1D5AF6A2-9FBD-5145-B7BF-A21054C404F5}" type="datetimeFigureOut">
               <a:rPr kumimoji="1" lang="ja-JP" altLang="en-US" smtClean="0"/>
-              <a:t>2016/1/31</a:t>
+              <a:t>2016/2/15</a:t>
             </a:fld>
             <a:endParaRPr kumimoji="1" lang="ja-JP" altLang="en-US"/>
           </a:p>
@@ -1401,7 +1401,7 @@
           <a:p>
             <a:fld id="{1D5AF6A2-9FBD-5145-B7BF-A21054C404F5}" type="datetimeFigureOut">
               <a:rPr kumimoji="1" lang="ja-JP" altLang="en-US" smtClean="0"/>
-              <a:t>2016/1/31</a:t>
+              <a:t>2016/2/15</a:t>
             </a:fld>
             <a:endParaRPr kumimoji="1" lang="ja-JP" altLang="en-US"/>
           </a:p>
@@ -1832,7 +1832,7 @@
           <a:p>
             <a:fld id="{1D5AF6A2-9FBD-5145-B7BF-A21054C404F5}" type="datetimeFigureOut">
               <a:rPr kumimoji="1" lang="ja-JP" altLang="en-US" smtClean="0"/>
-              <a:t>2016/1/31</a:t>
+              <a:t>2016/2/15</a:t>
             </a:fld>
             <a:endParaRPr kumimoji="1" lang="ja-JP" altLang="en-US"/>
           </a:p>
@@ -1950,7 +1950,7 @@
           <a:p>
             <a:fld id="{1D5AF6A2-9FBD-5145-B7BF-A21054C404F5}" type="datetimeFigureOut">
               <a:rPr kumimoji="1" lang="ja-JP" altLang="en-US" smtClean="0"/>
-              <a:t>2016/1/31</a:t>
+              <a:t>2016/2/15</a:t>
             </a:fld>
             <a:endParaRPr kumimoji="1" lang="ja-JP" altLang="en-US"/>
           </a:p>
@@ -2045,7 +2045,7 @@
           <a:p>
             <a:fld id="{1D5AF6A2-9FBD-5145-B7BF-A21054C404F5}" type="datetimeFigureOut">
               <a:rPr kumimoji="1" lang="ja-JP" altLang="en-US" smtClean="0"/>
-              <a:t>2016/1/31</a:t>
+              <a:t>2016/2/15</a:t>
             </a:fld>
             <a:endParaRPr kumimoji="1" lang="ja-JP" altLang="en-US"/>
           </a:p>
@@ -2354,7 +2354,7 @@
           <a:p>
             <a:fld id="{1D5AF6A2-9FBD-5145-B7BF-A21054C404F5}" type="datetimeFigureOut">
               <a:rPr kumimoji="1" lang="ja-JP" altLang="en-US" smtClean="0"/>
-              <a:t>2016/1/31</a:t>
+              <a:t>2016/2/15</a:t>
             </a:fld>
             <a:endParaRPr kumimoji="1" lang="ja-JP" altLang="en-US"/>
           </a:p>
@@ -2607,7 +2607,7 @@
           <a:p>
             <a:fld id="{1D5AF6A2-9FBD-5145-B7BF-A21054C404F5}" type="datetimeFigureOut">
               <a:rPr kumimoji="1" lang="ja-JP" altLang="en-US" smtClean="0"/>
-              <a:t>2016/1/31</a:t>
+              <a:t>2016/2/15</a:t>
             </a:fld>
             <a:endParaRPr kumimoji="1" lang="ja-JP" altLang="en-US"/>
           </a:p>
@@ -2852,7 +2852,7 @@
           <a:p>
             <a:fld id="{1D5AF6A2-9FBD-5145-B7BF-A21054C404F5}" type="datetimeFigureOut">
               <a:rPr kumimoji="1" lang="ja-JP" altLang="en-US" smtClean="0"/>
-              <a:t>2016/1/31</a:t>
+              <a:t>2016/2/15</a:t>
             </a:fld>
             <a:endParaRPr kumimoji="1" lang="ja-JP" altLang="en-US"/>
           </a:p>
@@ -3257,1137 +3257,1296 @@
           <a:chExt cx="0" cy="0"/>
         </a:xfrm>
       </p:grpSpPr>
-      <p:sp>
-        <p:nvSpPr>
-          <p:cNvPr id="4" name="円/楕円 3"/>
-          <p:cNvSpPr/>
+      <p:grpSp>
+        <p:nvGrpSpPr>
+          <p:cNvPr id="9" name="図形グループ 8"/>
+          <p:cNvGrpSpPr/>
           <p:nvPr/>
-        </p:nvSpPr>
-        <p:spPr>
+        </p:nvGrpSpPr>
+        <p:grpSpPr>
           <a:xfrm>
-            <a:off x="5743903" y="5700779"/>
-            <a:ext cx="432779" cy="432779"/>
+            <a:off x="4293637" y="667099"/>
+            <a:ext cx="3507898" cy="5879688"/>
+            <a:chOff x="4293637" y="667099"/>
+            <a:chExt cx="3507898" cy="5879688"/>
           </a:xfrm>
-          <a:prstGeom prst="ellipse">
-            <a:avLst/>
-          </a:prstGeom>
-          <a:noFill/>
-          <a:ln w="19050">
+        </p:grpSpPr>
+        <p:sp>
+          <p:nvSpPr>
+            <p:cNvPr id="8" name="円/楕円 7"/>
+            <p:cNvSpPr/>
+            <p:nvPr/>
+          </p:nvSpPr>
+          <p:spPr>
+            <a:xfrm rot="3232499">
+              <a:off x="5067828" y="193867"/>
+              <a:ext cx="1001486" cy="1990510"/>
+            </a:xfrm>
+            <a:prstGeom prst="ellipse">
+              <a:avLst/>
+            </a:prstGeom>
             <a:solidFill>
-              <a:schemeClr val="tx1"/>
+              <a:schemeClr val="bg1">
+                <a:lumMod val="65000"/>
+              </a:schemeClr>
             </a:solidFill>
-          </a:ln>
-        </p:spPr>
-        <p:style>
-          <a:lnRef idx="2">
-            <a:schemeClr val="accent1">
-              <a:shade val="50000"/>
-            </a:schemeClr>
-          </a:lnRef>
-          <a:fillRef idx="1">
-            <a:schemeClr val="accent1"/>
-          </a:fillRef>
-          <a:effectRef idx="0">
-            <a:schemeClr val="accent1"/>
-          </a:effectRef>
-          <a:fontRef idx="minor">
-            <a:schemeClr val="lt1"/>
-          </a:fontRef>
-        </p:style>
-        <p:txBody>
-          <a:bodyPr rtlCol="0" anchor="ctr"/>
-          <a:lstStyle/>
-          <a:p>
-            <a:pPr algn="ctr"/>
-            <a:r>
-              <a:rPr lang="en-US" altLang="ja-JP" i="1" dirty="0" smtClean="0">
+            <a:ln>
+              <a:noFill/>
+            </a:ln>
+          </p:spPr>
+          <p:style>
+            <a:lnRef idx="2">
+              <a:schemeClr val="accent1">
+                <a:shade val="50000"/>
+              </a:schemeClr>
+            </a:lnRef>
+            <a:fillRef idx="1">
+              <a:schemeClr val="accent1"/>
+            </a:fillRef>
+            <a:effectRef idx="0">
+              <a:schemeClr val="accent1"/>
+            </a:effectRef>
+            <a:fontRef idx="minor">
+              <a:schemeClr val="lt1"/>
+            </a:fontRef>
+          </p:style>
+          <p:txBody>
+            <a:bodyPr rtlCol="0" anchor="ctr"/>
+            <a:lstStyle/>
+            <a:p>
+              <a:pPr algn="ctr"/>
+              <a:endParaRPr kumimoji="1" lang="ja-JP" altLang="en-US"/>
+            </a:p>
+          </p:txBody>
+        </p:sp>
+        <p:sp>
+          <p:nvSpPr>
+            <p:cNvPr id="35" name="円/楕円 34"/>
+            <p:cNvSpPr/>
+            <p:nvPr/>
+          </p:nvSpPr>
+          <p:spPr>
+            <a:xfrm rot="19510017">
+              <a:off x="4806374" y="3368529"/>
+              <a:ext cx="1001486" cy="3178258"/>
+            </a:xfrm>
+            <a:prstGeom prst="ellipse">
+              <a:avLst/>
+            </a:prstGeom>
+            <a:solidFill>
+              <a:schemeClr val="bg1">
+                <a:lumMod val="65000"/>
+              </a:schemeClr>
+            </a:solidFill>
+            <a:ln>
+              <a:noFill/>
+            </a:ln>
+          </p:spPr>
+          <p:style>
+            <a:lnRef idx="2">
+              <a:schemeClr val="accent1">
+                <a:shade val="50000"/>
+              </a:schemeClr>
+            </a:lnRef>
+            <a:fillRef idx="1">
+              <a:schemeClr val="accent1"/>
+            </a:fillRef>
+            <a:effectRef idx="0">
+              <a:schemeClr val="accent1"/>
+            </a:effectRef>
+            <a:fontRef idx="minor">
+              <a:schemeClr val="lt1"/>
+            </a:fontRef>
+          </p:style>
+          <p:txBody>
+            <a:bodyPr rtlCol="0" anchor="ctr"/>
+            <a:lstStyle/>
+            <a:p>
+              <a:pPr algn="ctr"/>
+              <a:endParaRPr kumimoji="1" lang="ja-JP" altLang="en-US"/>
+            </a:p>
+          </p:txBody>
+        </p:sp>
+        <p:sp>
+          <p:nvSpPr>
+            <p:cNvPr id="34" name="円/楕円 33"/>
+            <p:cNvSpPr/>
+            <p:nvPr/>
+          </p:nvSpPr>
+          <p:spPr>
+            <a:xfrm rot="792905">
+              <a:off x="4293637" y="1176720"/>
+              <a:ext cx="856782" cy="2917389"/>
+            </a:xfrm>
+            <a:prstGeom prst="ellipse">
+              <a:avLst/>
+            </a:prstGeom>
+            <a:solidFill>
+              <a:schemeClr val="bg1">
+                <a:lumMod val="65000"/>
+              </a:schemeClr>
+            </a:solidFill>
+            <a:ln>
+              <a:noFill/>
+            </a:ln>
+          </p:spPr>
+          <p:style>
+            <a:lnRef idx="2">
+              <a:schemeClr val="accent1">
+                <a:shade val="50000"/>
+              </a:schemeClr>
+            </a:lnRef>
+            <a:fillRef idx="1">
+              <a:schemeClr val="accent1"/>
+            </a:fillRef>
+            <a:effectRef idx="0">
+              <a:schemeClr val="accent1"/>
+            </a:effectRef>
+            <a:fontRef idx="minor">
+              <a:schemeClr val="lt1"/>
+            </a:fontRef>
+          </p:style>
+          <p:txBody>
+            <a:bodyPr rtlCol="0" anchor="ctr"/>
+            <a:lstStyle/>
+            <a:p>
+              <a:pPr algn="ctr"/>
+              <a:endParaRPr kumimoji="1" lang="ja-JP" altLang="en-US"/>
+            </a:p>
+          </p:txBody>
+        </p:sp>
+        <p:sp>
+          <p:nvSpPr>
+            <p:cNvPr id="4" name="円/楕円 3"/>
+            <p:cNvSpPr/>
+            <p:nvPr/>
+          </p:nvSpPr>
+          <p:spPr>
+            <a:xfrm>
+              <a:off x="5743903" y="5700779"/>
+              <a:ext cx="432779" cy="432779"/>
+            </a:xfrm>
+            <a:prstGeom prst="ellipse">
+              <a:avLst/>
+            </a:prstGeom>
+            <a:noFill/>
+            <a:ln w="19050">
+              <a:solidFill>
+                <a:schemeClr val="tx1"/>
+              </a:solidFill>
+            </a:ln>
+          </p:spPr>
+          <p:style>
+            <a:lnRef idx="2">
+              <a:schemeClr val="accent1">
+                <a:shade val="50000"/>
+              </a:schemeClr>
+            </a:lnRef>
+            <a:fillRef idx="1">
+              <a:schemeClr val="accent1"/>
+            </a:fillRef>
+            <a:effectRef idx="0">
+              <a:schemeClr val="accent1"/>
+            </a:effectRef>
+            <a:fontRef idx="minor">
+              <a:schemeClr val="lt1"/>
+            </a:fontRef>
+          </p:style>
+          <p:txBody>
+            <a:bodyPr rtlCol="0" anchor="ctr"/>
+            <a:lstStyle/>
+            <a:p>
+              <a:pPr algn="ctr"/>
+              <a:r>
+                <a:rPr lang="en-US" altLang="ja-JP" i="1" dirty="0" smtClean="0">
+                  <a:solidFill>
+                    <a:schemeClr val="tx1"/>
+                  </a:solidFill>
+                </a:rPr>
+                <a:t>g</a:t>
+              </a:r>
+              <a:endParaRPr kumimoji="1" lang="ja-JP" altLang="en-US" i="1" dirty="0">
                 <a:solidFill>
                   <a:schemeClr val="tx1"/>
                 </a:solidFill>
-              </a:rPr>
-              <a:t>g</a:t>
-            </a:r>
-            <a:endParaRPr kumimoji="1" lang="ja-JP" altLang="en-US" i="1" dirty="0">
+              </a:endParaRPr>
+            </a:p>
+          </p:txBody>
+        </p:sp>
+        <p:sp>
+          <p:nvSpPr>
+            <p:cNvPr id="5" name="円/楕円 4"/>
+            <p:cNvSpPr/>
+            <p:nvPr/>
+          </p:nvSpPr>
+          <p:spPr>
+            <a:xfrm>
+              <a:off x="6734519" y="4653769"/>
+              <a:ext cx="432779" cy="432779"/>
+            </a:xfrm>
+            <a:prstGeom prst="ellipse">
+              <a:avLst/>
+            </a:prstGeom>
+            <a:noFill/>
+            <a:ln w="19050">
               <a:solidFill>
                 <a:schemeClr val="tx1"/>
               </a:solidFill>
-            </a:endParaRPr>
-          </a:p>
-        </p:txBody>
-      </p:sp>
-      <p:sp>
-        <p:nvSpPr>
-          <p:cNvPr id="5" name="円/楕円 4"/>
-          <p:cNvSpPr/>
-          <p:nvPr/>
-        </p:nvSpPr>
-        <p:spPr>
-          <a:xfrm>
-            <a:off x="6734519" y="4653769"/>
-            <a:ext cx="432779" cy="432779"/>
-          </a:xfrm>
-          <a:prstGeom prst="ellipse">
-            <a:avLst/>
-          </a:prstGeom>
-          <a:noFill/>
-          <a:ln w="19050">
-            <a:solidFill>
-              <a:schemeClr val="tx1"/>
-            </a:solidFill>
-          </a:ln>
-        </p:spPr>
-        <p:style>
-          <a:lnRef idx="2">
-            <a:schemeClr val="accent1">
-              <a:shade val="50000"/>
-            </a:schemeClr>
-          </a:lnRef>
-          <a:fillRef idx="1">
-            <a:schemeClr val="accent1"/>
-          </a:fillRef>
-          <a:effectRef idx="0">
-            <a:schemeClr val="accent1"/>
-          </a:effectRef>
-          <a:fontRef idx="minor">
-            <a:schemeClr val="lt1"/>
-          </a:fontRef>
-        </p:style>
-        <p:txBody>
-          <a:bodyPr rtlCol="0" anchor="ctr"/>
-          <a:lstStyle/>
-          <a:p>
-            <a:pPr algn="ctr"/>
-            <a:endParaRPr kumimoji="1" lang="ja-JP" altLang="en-US" i="1" dirty="0">
+            </a:ln>
+          </p:spPr>
+          <p:style>
+            <a:lnRef idx="2">
+              <a:schemeClr val="accent1">
+                <a:shade val="50000"/>
+              </a:schemeClr>
+            </a:lnRef>
+            <a:fillRef idx="1">
+              <a:schemeClr val="accent1"/>
+            </a:fillRef>
+            <a:effectRef idx="0">
+              <a:schemeClr val="accent1"/>
+            </a:effectRef>
+            <a:fontRef idx="minor">
+              <a:schemeClr val="lt1"/>
+            </a:fontRef>
+          </p:style>
+          <p:txBody>
+            <a:bodyPr rtlCol="0" anchor="ctr"/>
+            <a:lstStyle/>
+            <a:p>
+              <a:pPr algn="ctr"/>
+              <a:endParaRPr kumimoji="1" lang="ja-JP" altLang="en-US" i="1" dirty="0">
+                <a:solidFill>
+                  <a:schemeClr val="tx1"/>
+                </a:solidFill>
+              </a:endParaRPr>
+            </a:p>
+          </p:txBody>
+        </p:sp>
+        <p:sp>
+          <p:nvSpPr>
+            <p:cNvPr id="6" name="円/楕円 5"/>
+            <p:cNvSpPr/>
+            <p:nvPr/>
+          </p:nvSpPr>
+          <p:spPr>
+            <a:xfrm>
+              <a:off x="5896303" y="667099"/>
+              <a:ext cx="432779" cy="435561"/>
+            </a:xfrm>
+            <a:prstGeom prst="ellipse">
+              <a:avLst/>
+            </a:prstGeom>
+            <a:noFill/>
+            <a:ln w="19050">
               <a:solidFill>
                 <a:schemeClr val="tx1"/>
               </a:solidFill>
-            </a:endParaRPr>
-          </a:p>
-        </p:txBody>
-      </p:sp>
-      <p:sp>
-        <p:nvSpPr>
-          <p:cNvPr id="6" name="円/楕円 5"/>
-          <p:cNvSpPr/>
-          <p:nvPr/>
-        </p:nvSpPr>
-        <p:spPr>
-          <a:xfrm>
-            <a:off x="5896303" y="667099"/>
-            <a:ext cx="432779" cy="435561"/>
-          </a:xfrm>
-          <a:prstGeom prst="ellipse">
-            <a:avLst/>
-          </a:prstGeom>
-          <a:noFill/>
-          <a:ln w="19050">
-            <a:solidFill>
-              <a:schemeClr val="tx1"/>
-            </a:solidFill>
-          </a:ln>
-        </p:spPr>
-        <p:style>
-          <a:lnRef idx="2">
-            <a:schemeClr val="accent1">
-              <a:shade val="50000"/>
-            </a:schemeClr>
-          </a:lnRef>
-          <a:fillRef idx="1">
-            <a:schemeClr val="accent1"/>
-          </a:fillRef>
-          <a:effectRef idx="0">
-            <a:schemeClr val="accent1"/>
-          </a:effectRef>
-          <a:fontRef idx="minor">
-            <a:schemeClr val="lt1"/>
-          </a:fontRef>
-        </p:style>
-        <p:txBody>
-          <a:bodyPr rtlCol="0" anchor="ctr"/>
-          <a:lstStyle/>
-          <a:p>
-            <a:pPr algn="ctr"/>
-            <a:r>
-              <a:rPr lang="en-US" altLang="ja-JP" i="1" dirty="0">
+            </a:ln>
+          </p:spPr>
+          <p:style>
+            <a:lnRef idx="2">
+              <a:schemeClr val="accent1">
+                <a:shade val="50000"/>
+              </a:schemeClr>
+            </a:lnRef>
+            <a:fillRef idx="1">
+              <a:schemeClr val="accent1"/>
+            </a:fillRef>
+            <a:effectRef idx="0">
+              <a:schemeClr val="accent1"/>
+            </a:effectRef>
+            <a:fontRef idx="minor">
+              <a:schemeClr val="lt1"/>
+            </a:fontRef>
+          </p:style>
+          <p:txBody>
+            <a:bodyPr rtlCol="0" anchor="ctr"/>
+            <a:lstStyle/>
+            <a:p>
+              <a:pPr algn="ctr"/>
+              <a:r>
+                <a:rPr lang="en-US" altLang="ja-JP" i="1" dirty="0">
+                  <a:solidFill>
+                    <a:schemeClr val="tx1"/>
+                  </a:solidFill>
+                </a:rPr>
+                <a:t>s</a:t>
+              </a:r>
+              <a:endParaRPr kumimoji="1" lang="ja-JP" altLang="en-US" i="1" dirty="0">
                 <a:solidFill>
                   <a:schemeClr val="tx1"/>
                 </a:solidFill>
-              </a:rPr>
-              <a:t>s</a:t>
-            </a:r>
-            <a:endParaRPr kumimoji="1" lang="ja-JP" altLang="en-US" i="1" dirty="0">
+              </a:endParaRPr>
+            </a:p>
+          </p:txBody>
+        </p:sp>
+        <p:sp>
+          <p:nvSpPr>
+            <p:cNvPr id="7" name="円/楕円 6"/>
+            <p:cNvSpPr/>
+            <p:nvPr/>
+          </p:nvSpPr>
+          <p:spPr>
+            <a:xfrm>
+              <a:off x="4322671" y="3481329"/>
+              <a:ext cx="432779" cy="432779"/>
+            </a:xfrm>
+            <a:prstGeom prst="ellipse">
+              <a:avLst/>
+            </a:prstGeom>
+            <a:noFill/>
+            <a:ln w="19050">
               <a:solidFill>
                 <a:schemeClr val="tx1"/>
               </a:solidFill>
-            </a:endParaRPr>
-          </a:p>
-        </p:txBody>
-      </p:sp>
-      <p:sp>
-        <p:nvSpPr>
-          <p:cNvPr id="7" name="円/楕円 6"/>
-          <p:cNvSpPr/>
-          <p:nvPr/>
-        </p:nvSpPr>
-        <p:spPr>
-          <a:xfrm>
-            <a:off x="4322671" y="3481329"/>
-            <a:ext cx="432779" cy="432779"/>
-          </a:xfrm>
-          <a:prstGeom prst="ellipse">
-            <a:avLst/>
-          </a:prstGeom>
-          <a:noFill/>
-          <a:ln w="19050">
-            <a:solidFill>
-              <a:schemeClr val="tx1"/>
-            </a:solidFill>
-          </a:ln>
-        </p:spPr>
-        <p:style>
-          <a:lnRef idx="2">
-            <a:schemeClr val="accent1">
-              <a:shade val="50000"/>
-            </a:schemeClr>
-          </a:lnRef>
-          <a:fillRef idx="1">
-            <a:schemeClr val="accent1"/>
-          </a:fillRef>
-          <a:effectRef idx="0">
-            <a:schemeClr val="accent1"/>
-          </a:effectRef>
-          <a:fontRef idx="minor">
-            <a:schemeClr val="lt1"/>
-          </a:fontRef>
-        </p:style>
-        <p:txBody>
-          <a:bodyPr rtlCol="0" anchor="ctr"/>
-          <a:lstStyle/>
-          <a:p>
-            <a:pPr algn="ctr"/>
-            <a:endParaRPr kumimoji="1" lang="ja-JP" altLang="en-US" i="1" dirty="0">
+            </a:ln>
+          </p:spPr>
+          <p:style>
+            <a:lnRef idx="2">
+              <a:schemeClr val="accent1">
+                <a:shade val="50000"/>
+              </a:schemeClr>
+            </a:lnRef>
+            <a:fillRef idx="1">
+              <a:schemeClr val="accent1"/>
+            </a:fillRef>
+            <a:effectRef idx="0">
+              <a:schemeClr val="accent1"/>
+            </a:effectRef>
+            <a:fontRef idx="minor">
+              <a:schemeClr val="lt1"/>
+            </a:fontRef>
+          </p:style>
+          <p:txBody>
+            <a:bodyPr rtlCol="0" anchor="ctr"/>
+            <a:lstStyle/>
+            <a:p>
+              <a:pPr algn="ctr"/>
+              <a:endParaRPr kumimoji="1" lang="ja-JP" altLang="en-US" i="1" dirty="0">
+                <a:solidFill>
+                  <a:schemeClr val="tx1"/>
+                </a:solidFill>
+              </a:endParaRPr>
+            </a:p>
+          </p:txBody>
+        </p:sp>
+        <p:sp>
+          <p:nvSpPr>
+            <p:cNvPr id="10" name="円/楕円 9"/>
+            <p:cNvSpPr/>
+            <p:nvPr/>
+          </p:nvSpPr>
+          <p:spPr>
+            <a:xfrm>
+              <a:off x="5390283" y="2135918"/>
+              <a:ext cx="432779" cy="432779"/>
+            </a:xfrm>
+            <a:prstGeom prst="ellipse">
+              <a:avLst/>
+            </a:prstGeom>
+            <a:noFill/>
+            <a:ln w="19050">
               <a:solidFill>
                 <a:schemeClr val="tx1"/>
               </a:solidFill>
-            </a:endParaRPr>
-          </a:p>
-        </p:txBody>
-      </p:sp>
-      <p:sp>
-        <p:nvSpPr>
-          <p:cNvPr id="10" name="円/楕円 9"/>
-          <p:cNvSpPr/>
-          <p:nvPr/>
-        </p:nvSpPr>
-        <p:spPr>
-          <a:xfrm>
-            <a:off x="5390283" y="2135918"/>
-            <a:ext cx="432779" cy="432779"/>
-          </a:xfrm>
-          <a:prstGeom prst="ellipse">
-            <a:avLst/>
-          </a:prstGeom>
-          <a:noFill/>
-          <a:ln w="19050">
-            <a:solidFill>
-              <a:schemeClr val="tx1"/>
-            </a:solidFill>
-          </a:ln>
-        </p:spPr>
-        <p:style>
-          <a:lnRef idx="2">
-            <a:schemeClr val="accent1">
-              <a:shade val="50000"/>
-            </a:schemeClr>
-          </a:lnRef>
-          <a:fillRef idx="1">
-            <a:schemeClr val="accent1"/>
-          </a:fillRef>
-          <a:effectRef idx="0">
-            <a:schemeClr val="accent1"/>
-          </a:effectRef>
-          <a:fontRef idx="minor">
-            <a:schemeClr val="lt1"/>
-          </a:fontRef>
-        </p:style>
-        <p:txBody>
-          <a:bodyPr rtlCol="0" anchor="ctr"/>
-          <a:lstStyle/>
-          <a:p>
-            <a:pPr algn="ctr"/>
-            <a:endParaRPr kumimoji="1" lang="ja-JP" altLang="en-US" i="1" dirty="0">
+            </a:ln>
+          </p:spPr>
+          <p:style>
+            <a:lnRef idx="2">
+              <a:schemeClr val="accent1">
+                <a:shade val="50000"/>
+              </a:schemeClr>
+            </a:lnRef>
+            <a:fillRef idx="1">
+              <a:schemeClr val="accent1"/>
+            </a:fillRef>
+            <a:effectRef idx="0">
+              <a:schemeClr val="accent1"/>
+            </a:effectRef>
+            <a:fontRef idx="minor">
+              <a:schemeClr val="lt1"/>
+            </a:fontRef>
+          </p:style>
+          <p:txBody>
+            <a:bodyPr rtlCol="0" anchor="ctr"/>
+            <a:lstStyle/>
+            <a:p>
+              <a:pPr algn="ctr"/>
+              <a:endParaRPr kumimoji="1" lang="ja-JP" altLang="en-US" i="1" dirty="0">
+                <a:solidFill>
+                  <a:schemeClr val="tx1"/>
+                </a:solidFill>
+              </a:endParaRPr>
+            </a:p>
+          </p:txBody>
+        </p:sp>
+        <p:sp>
+          <p:nvSpPr>
+            <p:cNvPr id="11" name="円/楕円 10"/>
+            <p:cNvSpPr/>
+            <p:nvPr/>
+          </p:nvSpPr>
+          <p:spPr>
+            <a:xfrm>
+              <a:off x="6935977" y="1596343"/>
+              <a:ext cx="432779" cy="432779"/>
+            </a:xfrm>
+            <a:prstGeom prst="ellipse">
+              <a:avLst/>
+            </a:prstGeom>
+            <a:noFill/>
+            <a:ln w="19050">
               <a:solidFill>
                 <a:schemeClr val="tx1"/>
               </a:solidFill>
-            </a:endParaRPr>
-          </a:p>
-        </p:txBody>
-      </p:sp>
-      <p:sp>
-        <p:nvSpPr>
-          <p:cNvPr id="11" name="円/楕円 10"/>
-          <p:cNvSpPr/>
-          <p:nvPr/>
-        </p:nvSpPr>
-        <p:spPr>
-          <a:xfrm>
-            <a:off x="6935977" y="1596343"/>
-            <a:ext cx="432779" cy="432779"/>
-          </a:xfrm>
-          <a:prstGeom prst="ellipse">
-            <a:avLst/>
-          </a:prstGeom>
-          <a:noFill/>
-          <a:ln w="19050">
-            <a:solidFill>
-              <a:schemeClr val="tx1"/>
-            </a:solidFill>
-          </a:ln>
-        </p:spPr>
-        <p:style>
-          <a:lnRef idx="2">
-            <a:schemeClr val="accent1">
-              <a:shade val="50000"/>
-            </a:schemeClr>
-          </a:lnRef>
-          <a:fillRef idx="1">
-            <a:schemeClr val="accent1"/>
-          </a:fillRef>
-          <a:effectRef idx="0">
-            <a:schemeClr val="accent1"/>
-          </a:effectRef>
-          <a:fontRef idx="minor">
-            <a:schemeClr val="lt1"/>
-          </a:fontRef>
-        </p:style>
-        <p:txBody>
-          <a:bodyPr rtlCol="0" anchor="ctr"/>
-          <a:lstStyle/>
-          <a:p>
-            <a:pPr algn="ctr"/>
-            <a:endParaRPr kumimoji="1" lang="ja-JP" altLang="en-US" i="1" dirty="0">
+            </a:ln>
+          </p:spPr>
+          <p:style>
+            <a:lnRef idx="2">
+              <a:schemeClr val="accent1">
+                <a:shade val="50000"/>
+              </a:schemeClr>
+            </a:lnRef>
+            <a:fillRef idx="1">
+              <a:schemeClr val="accent1"/>
+            </a:fillRef>
+            <a:effectRef idx="0">
+              <a:schemeClr val="accent1"/>
+            </a:effectRef>
+            <a:fontRef idx="minor">
+              <a:schemeClr val="lt1"/>
+            </a:fontRef>
+          </p:style>
+          <p:txBody>
+            <a:bodyPr rtlCol="0" anchor="ctr"/>
+            <a:lstStyle/>
+            <a:p>
+              <a:pPr algn="ctr"/>
+              <a:endParaRPr kumimoji="1" lang="ja-JP" altLang="en-US" i="1" dirty="0">
+                <a:solidFill>
+                  <a:schemeClr val="tx1"/>
+                </a:solidFill>
+              </a:endParaRPr>
+            </a:p>
+          </p:txBody>
+        </p:sp>
+        <p:sp>
+          <p:nvSpPr>
+            <p:cNvPr id="12" name="円/楕円 11"/>
+            <p:cNvSpPr/>
+            <p:nvPr/>
+          </p:nvSpPr>
+          <p:spPr>
+            <a:xfrm>
+              <a:off x="4859641" y="1337365"/>
+              <a:ext cx="432779" cy="432779"/>
+            </a:xfrm>
+            <a:prstGeom prst="ellipse">
+              <a:avLst/>
+            </a:prstGeom>
+            <a:noFill/>
+            <a:ln w="19050">
               <a:solidFill>
                 <a:schemeClr val="tx1"/>
               </a:solidFill>
-            </a:endParaRPr>
-          </a:p>
-        </p:txBody>
-      </p:sp>
-      <p:sp>
-        <p:nvSpPr>
-          <p:cNvPr id="12" name="円/楕円 11"/>
-          <p:cNvSpPr/>
-          <p:nvPr/>
-        </p:nvSpPr>
-        <p:spPr>
-          <a:xfrm>
-            <a:off x="4859641" y="1337365"/>
-            <a:ext cx="432779" cy="432779"/>
-          </a:xfrm>
-          <a:prstGeom prst="ellipse">
-            <a:avLst/>
-          </a:prstGeom>
-          <a:noFill/>
-          <a:ln w="19050">
-            <a:solidFill>
-              <a:schemeClr val="tx1"/>
-            </a:solidFill>
-          </a:ln>
-        </p:spPr>
-        <p:style>
-          <a:lnRef idx="2">
-            <a:schemeClr val="accent1">
-              <a:shade val="50000"/>
-            </a:schemeClr>
-          </a:lnRef>
-          <a:fillRef idx="1">
-            <a:schemeClr val="accent1"/>
-          </a:fillRef>
-          <a:effectRef idx="0">
-            <a:schemeClr val="accent1"/>
-          </a:effectRef>
-          <a:fontRef idx="minor">
-            <a:schemeClr val="lt1"/>
-          </a:fontRef>
-        </p:style>
-        <p:txBody>
-          <a:bodyPr rtlCol="0" anchor="ctr"/>
-          <a:lstStyle/>
-          <a:p>
-            <a:pPr algn="ctr"/>
-            <a:endParaRPr kumimoji="1" lang="ja-JP" altLang="en-US" i="1" dirty="0">
+            </a:ln>
+          </p:spPr>
+          <p:style>
+            <a:lnRef idx="2">
+              <a:schemeClr val="accent1">
+                <a:shade val="50000"/>
+              </a:schemeClr>
+            </a:lnRef>
+            <a:fillRef idx="1">
+              <a:schemeClr val="accent1"/>
+            </a:fillRef>
+            <a:effectRef idx="0">
+              <a:schemeClr val="accent1"/>
+            </a:effectRef>
+            <a:fontRef idx="minor">
+              <a:schemeClr val="lt1"/>
+            </a:fontRef>
+          </p:style>
+          <p:txBody>
+            <a:bodyPr rtlCol="0" anchor="ctr"/>
+            <a:lstStyle/>
+            <a:p>
+              <a:pPr algn="ctr"/>
+              <a:endParaRPr kumimoji="1" lang="ja-JP" altLang="en-US" i="1" dirty="0">
+                <a:solidFill>
+                  <a:schemeClr val="tx1"/>
+                </a:solidFill>
+              </a:endParaRPr>
+            </a:p>
+          </p:txBody>
+        </p:sp>
+        <p:sp>
+          <p:nvSpPr>
+            <p:cNvPr id="13" name="円/楕円 12"/>
+            <p:cNvSpPr/>
+            <p:nvPr/>
+          </p:nvSpPr>
+          <p:spPr>
+            <a:xfrm>
+              <a:off x="5076031" y="4953619"/>
+              <a:ext cx="432779" cy="432779"/>
+            </a:xfrm>
+            <a:prstGeom prst="ellipse">
+              <a:avLst/>
+            </a:prstGeom>
+            <a:noFill/>
+            <a:ln w="19050">
               <a:solidFill>
                 <a:schemeClr val="tx1"/>
               </a:solidFill>
-            </a:endParaRPr>
-          </a:p>
-        </p:txBody>
-      </p:sp>
-      <p:sp>
-        <p:nvSpPr>
-          <p:cNvPr id="13" name="円/楕円 12"/>
-          <p:cNvSpPr/>
-          <p:nvPr/>
-        </p:nvSpPr>
-        <p:spPr>
-          <a:xfrm>
-            <a:off x="5076031" y="4953619"/>
-            <a:ext cx="432779" cy="432779"/>
-          </a:xfrm>
-          <a:prstGeom prst="ellipse">
-            <a:avLst/>
-          </a:prstGeom>
-          <a:noFill/>
-          <a:ln w="19050">
-            <a:solidFill>
-              <a:schemeClr val="tx1"/>
-            </a:solidFill>
-          </a:ln>
-        </p:spPr>
-        <p:style>
-          <a:lnRef idx="2">
-            <a:schemeClr val="accent1">
-              <a:shade val="50000"/>
-            </a:schemeClr>
-          </a:lnRef>
-          <a:fillRef idx="1">
-            <a:schemeClr val="accent1"/>
-          </a:fillRef>
-          <a:effectRef idx="0">
-            <a:schemeClr val="accent1"/>
-          </a:effectRef>
-          <a:fontRef idx="minor">
-            <a:schemeClr val="lt1"/>
-          </a:fontRef>
-        </p:style>
-        <p:txBody>
-          <a:bodyPr rtlCol="0" anchor="ctr"/>
-          <a:lstStyle/>
-          <a:p>
-            <a:pPr algn="ctr"/>
-            <a:endParaRPr kumimoji="1" lang="ja-JP" altLang="en-US" i="1" dirty="0">
+            </a:ln>
+          </p:spPr>
+          <p:style>
+            <a:lnRef idx="2">
+              <a:schemeClr val="accent1">
+                <a:shade val="50000"/>
+              </a:schemeClr>
+            </a:lnRef>
+            <a:fillRef idx="1">
+              <a:schemeClr val="accent1"/>
+            </a:fillRef>
+            <a:effectRef idx="0">
+              <a:schemeClr val="accent1"/>
+            </a:effectRef>
+            <a:fontRef idx="minor">
+              <a:schemeClr val="lt1"/>
+            </a:fontRef>
+          </p:style>
+          <p:txBody>
+            <a:bodyPr rtlCol="0" anchor="ctr"/>
+            <a:lstStyle/>
+            <a:p>
+              <a:pPr algn="ctr"/>
+              <a:endParaRPr kumimoji="1" lang="ja-JP" altLang="en-US" i="1" dirty="0">
+                <a:solidFill>
+                  <a:schemeClr val="tx1"/>
+                </a:solidFill>
+              </a:endParaRPr>
+            </a:p>
+          </p:txBody>
+        </p:sp>
+        <p:sp>
+          <p:nvSpPr>
+            <p:cNvPr id="14" name="円/楕円 13"/>
+            <p:cNvSpPr/>
+            <p:nvPr/>
+          </p:nvSpPr>
+          <p:spPr>
+            <a:xfrm>
+              <a:off x="5760137" y="3925288"/>
+              <a:ext cx="432779" cy="432779"/>
+            </a:xfrm>
+            <a:prstGeom prst="ellipse">
+              <a:avLst/>
+            </a:prstGeom>
+            <a:noFill/>
+            <a:ln w="19050">
               <a:solidFill>
                 <a:schemeClr val="tx1"/>
               </a:solidFill>
-            </a:endParaRPr>
-          </a:p>
-        </p:txBody>
-      </p:sp>
-      <p:sp>
-        <p:nvSpPr>
-          <p:cNvPr id="14" name="円/楕円 13"/>
-          <p:cNvSpPr/>
-          <p:nvPr/>
-        </p:nvSpPr>
-        <p:spPr>
-          <a:xfrm>
-            <a:off x="5760137" y="3925288"/>
-            <a:ext cx="432779" cy="432779"/>
-          </a:xfrm>
-          <a:prstGeom prst="ellipse">
-            <a:avLst/>
-          </a:prstGeom>
-          <a:noFill/>
-          <a:ln w="19050">
-            <a:solidFill>
-              <a:schemeClr val="tx1"/>
-            </a:solidFill>
-          </a:ln>
-        </p:spPr>
-        <p:style>
-          <a:lnRef idx="2">
-            <a:schemeClr val="accent1">
-              <a:shade val="50000"/>
-            </a:schemeClr>
-          </a:lnRef>
-          <a:fillRef idx="1">
-            <a:schemeClr val="accent1"/>
-          </a:fillRef>
-          <a:effectRef idx="0">
-            <a:schemeClr val="accent1"/>
-          </a:effectRef>
-          <a:fontRef idx="minor">
-            <a:schemeClr val="lt1"/>
-          </a:fontRef>
-        </p:style>
-        <p:txBody>
-          <a:bodyPr rtlCol="0" anchor="ctr"/>
-          <a:lstStyle/>
-          <a:p>
-            <a:pPr algn="ctr"/>
-            <a:endParaRPr kumimoji="1" lang="ja-JP" altLang="en-US" i="1" dirty="0">
+            </a:ln>
+          </p:spPr>
+          <p:style>
+            <a:lnRef idx="2">
+              <a:schemeClr val="accent1">
+                <a:shade val="50000"/>
+              </a:schemeClr>
+            </a:lnRef>
+            <a:fillRef idx="1">
+              <a:schemeClr val="accent1"/>
+            </a:fillRef>
+            <a:effectRef idx="0">
+              <a:schemeClr val="accent1"/>
+            </a:effectRef>
+            <a:fontRef idx="minor">
+              <a:schemeClr val="lt1"/>
+            </a:fontRef>
+          </p:style>
+          <p:txBody>
+            <a:bodyPr rtlCol="0" anchor="ctr"/>
+            <a:lstStyle/>
+            <a:p>
+              <a:pPr algn="ctr"/>
+              <a:endParaRPr kumimoji="1" lang="ja-JP" altLang="en-US" i="1" dirty="0">
+                <a:solidFill>
+                  <a:schemeClr val="tx1"/>
+                </a:solidFill>
+              </a:endParaRPr>
+            </a:p>
+          </p:txBody>
+        </p:sp>
+        <p:cxnSp>
+          <p:nvCxnSpPr>
+            <p:cNvPr id="15" name="直線コネクタ 14"/>
+            <p:cNvCxnSpPr>
+              <a:stCxn id="7" idx="4"/>
+              <a:endCxn id="6" idx="7"/>
+            </p:cNvCxnSpPr>
+            <p:nvPr/>
+          </p:nvCxnSpPr>
+          <p:spPr>
+            <a:xfrm flipH="1">
+              <a:off x="6113303" y="5086548"/>
+              <a:ext cx="837606" cy="677610"/>
+            </a:xfrm>
+            <a:prstGeom prst="line">
+              <a:avLst/>
+            </a:prstGeom>
+            <a:ln w="15875">
               <a:solidFill>
                 <a:schemeClr val="tx1"/>
               </a:solidFill>
-            </a:endParaRPr>
-          </a:p>
-        </p:txBody>
-      </p:sp>
-      <p:cxnSp>
-        <p:nvCxnSpPr>
-          <p:cNvPr id="15" name="直線コネクタ 14"/>
-          <p:cNvCxnSpPr>
-            <a:stCxn id="7" idx="4"/>
-            <a:endCxn id="6" idx="7"/>
-          </p:cNvCxnSpPr>
-          <p:nvPr/>
-        </p:nvCxnSpPr>
-        <p:spPr>
-          <a:xfrm flipH="1">
-            <a:off x="6113303" y="5086548"/>
-            <a:ext cx="837606" cy="677610"/>
-          </a:xfrm>
-          <a:prstGeom prst="line">
-            <a:avLst/>
-          </a:prstGeom>
-          <a:ln w="15875">
-            <a:solidFill>
+            </a:ln>
+          </p:spPr>
+          <p:style>
+            <a:lnRef idx="1">
+              <a:schemeClr val="accent1"/>
+            </a:lnRef>
+            <a:fillRef idx="0">
+              <a:schemeClr val="accent1"/>
+            </a:fillRef>
+            <a:effectRef idx="0">
+              <a:schemeClr val="accent1"/>
+            </a:effectRef>
+            <a:fontRef idx="minor">
               <a:schemeClr val="tx1"/>
-            </a:solidFill>
-          </a:ln>
-        </p:spPr>
-        <p:style>
-          <a:lnRef idx="1">
-            <a:schemeClr val="accent1"/>
-          </a:lnRef>
-          <a:fillRef idx="0">
-            <a:schemeClr val="accent1"/>
-          </a:fillRef>
-          <a:effectRef idx="0">
-            <a:schemeClr val="accent1"/>
-          </a:effectRef>
-          <a:fontRef idx="minor">
-            <a:schemeClr val="tx1"/>
-          </a:fontRef>
-        </p:style>
-      </p:cxnSp>
-      <p:cxnSp>
-        <p:nvCxnSpPr>
-          <p:cNvPr id="16" name="直線コネクタ 15"/>
-          <p:cNvCxnSpPr>
-            <a:endCxn id="13" idx="1"/>
-          </p:cNvCxnSpPr>
-          <p:nvPr/>
-        </p:nvCxnSpPr>
-        <p:spPr>
-          <a:xfrm>
-            <a:off x="6265703" y="1038874"/>
-            <a:ext cx="733653" cy="620848"/>
-          </a:xfrm>
-          <a:prstGeom prst="line">
-            <a:avLst/>
-          </a:prstGeom>
-          <a:ln w="15875">
-            <a:solidFill>
-              <a:schemeClr val="tx1"/>
-            </a:solidFill>
-          </a:ln>
-        </p:spPr>
-        <p:style>
-          <a:lnRef idx="1">
-            <a:schemeClr val="accent1"/>
-          </a:lnRef>
-          <a:fillRef idx="0">
-            <a:schemeClr val="accent1"/>
-          </a:fillRef>
-          <a:effectRef idx="0">
-            <a:schemeClr val="accent1"/>
-          </a:effectRef>
-          <a:fontRef idx="minor">
-            <a:schemeClr val="tx1"/>
-          </a:fontRef>
-        </p:style>
-      </p:cxnSp>
-      <p:cxnSp>
-        <p:nvCxnSpPr>
-          <p:cNvPr id="17" name="直線コネクタ 16"/>
-          <p:cNvCxnSpPr>
-            <a:endCxn id="15" idx="0"/>
-          </p:cNvCxnSpPr>
-          <p:nvPr/>
-        </p:nvCxnSpPr>
-        <p:spPr>
-          <a:xfrm>
-            <a:off x="4539061" y="3914108"/>
-            <a:ext cx="753360" cy="1039511"/>
-          </a:xfrm>
-          <a:prstGeom prst="line">
-            <a:avLst/>
-          </a:prstGeom>
-          <a:ln w="50800">
-            <a:solidFill>
-              <a:schemeClr val="tx1"/>
-            </a:solidFill>
-          </a:ln>
-        </p:spPr>
-        <p:style>
-          <a:lnRef idx="1">
-            <a:schemeClr val="accent1"/>
-          </a:lnRef>
-          <a:fillRef idx="0">
-            <a:schemeClr val="accent1"/>
-          </a:fillRef>
-          <a:effectRef idx="0">
-            <a:schemeClr val="accent1"/>
-          </a:effectRef>
-          <a:fontRef idx="minor">
-            <a:schemeClr val="tx1"/>
-          </a:fontRef>
-        </p:style>
-      </p:cxnSp>
-      <p:cxnSp>
-        <p:nvCxnSpPr>
-          <p:cNvPr id="19" name="直線コネクタ 18"/>
-          <p:cNvCxnSpPr>
-            <a:stCxn id="12" idx="3"/>
-            <a:endCxn id="7" idx="0"/>
-          </p:cNvCxnSpPr>
-          <p:nvPr/>
-        </p:nvCxnSpPr>
-        <p:spPr>
-          <a:xfrm flipH="1">
-            <a:off x="4539061" y="1706765"/>
-            <a:ext cx="383959" cy="1774564"/>
-          </a:xfrm>
-          <a:prstGeom prst="line">
-            <a:avLst/>
-          </a:prstGeom>
-          <a:ln w="50800">
-            <a:solidFill>
-              <a:schemeClr val="tx1"/>
-            </a:solidFill>
-          </a:ln>
-        </p:spPr>
-        <p:style>
-          <a:lnRef idx="1">
-            <a:schemeClr val="accent1"/>
-          </a:lnRef>
-          <a:fillRef idx="0">
-            <a:schemeClr val="accent1"/>
-          </a:fillRef>
-          <a:effectRef idx="0">
-            <a:schemeClr val="accent1"/>
-          </a:effectRef>
-          <a:fontRef idx="minor">
-            <a:schemeClr val="tx1"/>
-          </a:fontRef>
-        </p:style>
-      </p:cxnSp>
-      <p:cxnSp>
-        <p:nvCxnSpPr>
-          <p:cNvPr id="21" name="直線コネクタ 20"/>
-          <p:cNvCxnSpPr>
-            <a:stCxn id="15" idx="5"/>
-            <a:endCxn id="6" idx="1"/>
-          </p:cNvCxnSpPr>
-          <p:nvPr/>
-        </p:nvCxnSpPr>
-        <p:spPr>
-          <a:xfrm>
-            <a:off x="5445431" y="5323019"/>
-            <a:ext cx="361851" cy="441139"/>
-          </a:xfrm>
-          <a:prstGeom prst="line">
-            <a:avLst/>
-          </a:prstGeom>
-          <a:ln w="50800">
-            <a:solidFill>
-              <a:schemeClr val="tx1"/>
-            </a:solidFill>
-            <a:tailEnd type="triangle" w="lg" len="med"/>
-          </a:ln>
-        </p:spPr>
-        <p:style>
-          <a:lnRef idx="1">
-            <a:schemeClr val="accent1"/>
-          </a:lnRef>
-          <a:fillRef idx="0">
-            <a:schemeClr val="accent1"/>
-          </a:fillRef>
-          <a:effectRef idx="0">
-            <a:schemeClr val="accent1"/>
-          </a:effectRef>
-          <a:fontRef idx="minor">
-            <a:schemeClr val="tx1"/>
-          </a:fontRef>
-        </p:style>
-      </p:cxnSp>
-      <p:cxnSp>
-        <p:nvCxnSpPr>
-          <p:cNvPr id="22" name="直線コネクタ 21"/>
-          <p:cNvCxnSpPr>
-            <a:stCxn id="6" idx="2"/>
-            <a:endCxn id="12" idx="0"/>
-          </p:cNvCxnSpPr>
-          <p:nvPr/>
-        </p:nvCxnSpPr>
-        <p:spPr>
-          <a:xfrm flipH="1">
-            <a:off x="5076031" y="884880"/>
-            <a:ext cx="820272" cy="452485"/>
-          </a:xfrm>
-          <a:prstGeom prst="line">
-            <a:avLst/>
-          </a:prstGeom>
-          <a:ln w="50800">
-            <a:solidFill>
-              <a:schemeClr val="tx1"/>
-            </a:solidFill>
-          </a:ln>
-        </p:spPr>
-        <p:style>
-          <a:lnRef idx="1">
-            <a:schemeClr val="accent1"/>
-          </a:lnRef>
-          <a:fillRef idx="0">
-            <a:schemeClr val="accent1"/>
-          </a:fillRef>
-          <a:effectRef idx="0">
-            <a:schemeClr val="accent1"/>
-          </a:effectRef>
-          <a:fontRef idx="minor">
-            <a:schemeClr val="tx1"/>
-          </a:fontRef>
-        </p:style>
-      </p:cxnSp>
-      <p:cxnSp>
-        <p:nvCxnSpPr>
-          <p:cNvPr id="23" name="直線コネクタ 22"/>
-          <p:cNvCxnSpPr>
-            <a:endCxn id="12" idx="0"/>
-          </p:cNvCxnSpPr>
-          <p:nvPr/>
-        </p:nvCxnSpPr>
-        <p:spPr>
-          <a:xfrm flipH="1">
-            <a:off x="5606673" y="1102660"/>
-            <a:ext cx="506020" cy="1033258"/>
-          </a:xfrm>
-          <a:prstGeom prst="line">
-            <a:avLst/>
-          </a:prstGeom>
-          <a:ln w="15875">
-            <a:solidFill>
-              <a:schemeClr val="tx1"/>
-            </a:solidFill>
-          </a:ln>
-        </p:spPr>
-        <p:style>
-          <a:lnRef idx="1">
-            <a:schemeClr val="accent1"/>
-          </a:lnRef>
-          <a:fillRef idx="0">
-            <a:schemeClr val="accent1"/>
-          </a:fillRef>
-          <a:effectRef idx="0">
-            <a:schemeClr val="accent1"/>
-          </a:effectRef>
-          <a:fontRef idx="minor">
-            <a:schemeClr val="tx1"/>
-          </a:fontRef>
-        </p:style>
-      </p:cxnSp>
-      <p:cxnSp>
-        <p:nvCxnSpPr>
-          <p:cNvPr id="25" name="直線コネクタ 24"/>
-          <p:cNvCxnSpPr>
-            <a:stCxn id="81" idx="4"/>
-            <a:endCxn id="14" idx="0"/>
-          </p:cNvCxnSpPr>
-          <p:nvPr/>
-        </p:nvCxnSpPr>
-        <p:spPr>
-          <a:xfrm flipH="1">
-            <a:off x="5976527" y="3332509"/>
-            <a:ext cx="34987" cy="592779"/>
-          </a:xfrm>
-          <a:prstGeom prst="line">
-            <a:avLst/>
-          </a:prstGeom>
-          <a:ln w="15875">
-            <a:solidFill>
-              <a:schemeClr val="tx1"/>
-            </a:solidFill>
-          </a:ln>
-        </p:spPr>
-        <p:style>
-          <a:lnRef idx="1">
-            <a:schemeClr val="accent1"/>
-          </a:lnRef>
-          <a:fillRef idx="0">
-            <a:schemeClr val="accent1"/>
-          </a:fillRef>
-          <a:effectRef idx="0">
-            <a:schemeClr val="accent1"/>
-          </a:effectRef>
-          <a:fontRef idx="minor">
-            <a:schemeClr val="tx1"/>
-          </a:fontRef>
-        </p:style>
-      </p:cxnSp>
-      <p:cxnSp>
-        <p:nvCxnSpPr>
-          <p:cNvPr id="27" name="直線コネクタ 26"/>
-          <p:cNvCxnSpPr>
-            <a:endCxn id="10" idx="3"/>
-          </p:cNvCxnSpPr>
-          <p:nvPr/>
-        </p:nvCxnSpPr>
-        <p:spPr>
-          <a:xfrm flipV="1">
-            <a:off x="4755450" y="2505318"/>
-            <a:ext cx="698212" cy="1192401"/>
-          </a:xfrm>
-          <a:prstGeom prst="line">
-            <a:avLst/>
-          </a:prstGeom>
-          <a:ln w="15875">
-            <a:solidFill>
-              <a:schemeClr val="tx1"/>
-            </a:solidFill>
-          </a:ln>
-        </p:spPr>
-        <p:style>
-          <a:lnRef idx="1">
-            <a:schemeClr val="accent1"/>
-          </a:lnRef>
-          <a:fillRef idx="0">
-            <a:schemeClr val="accent1"/>
-          </a:fillRef>
-          <a:effectRef idx="0">
-            <a:schemeClr val="accent1"/>
-          </a:effectRef>
-          <a:fontRef idx="minor">
-            <a:schemeClr val="tx1"/>
-          </a:fontRef>
-        </p:style>
-      </p:cxnSp>
-      <p:cxnSp>
-        <p:nvCxnSpPr>
-          <p:cNvPr id="28" name="直線コネクタ 27"/>
-          <p:cNvCxnSpPr>
-            <a:stCxn id="81" idx="7"/>
-            <a:endCxn id="11" idx="3"/>
-          </p:cNvCxnSpPr>
-          <p:nvPr/>
-        </p:nvCxnSpPr>
-        <p:spPr>
-          <a:xfrm flipV="1">
-            <a:off x="6164524" y="1965743"/>
-            <a:ext cx="834832" cy="997366"/>
-          </a:xfrm>
-          <a:prstGeom prst="line">
-            <a:avLst/>
-          </a:prstGeom>
-          <a:ln w="15875">
-            <a:solidFill>
-              <a:schemeClr val="tx1"/>
-            </a:solidFill>
-          </a:ln>
-        </p:spPr>
-        <p:style>
-          <a:lnRef idx="1">
-            <a:schemeClr val="accent1"/>
-          </a:lnRef>
-          <a:fillRef idx="0">
-            <a:schemeClr val="accent1"/>
-          </a:fillRef>
-          <a:effectRef idx="0">
-            <a:schemeClr val="accent1"/>
-          </a:effectRef>
-          <a:fontRef idx="minor">
-            <a:schemeClr val="tx1"/>
-          </a:fontRef>
-        </p:style>
-      </p:cxnSp>
-      <p:cxnSp>
-        <p:nvCxnSpPr>
-          <p:cNvPr id="29" name="直線コネクタ 28"/>
-          <p:cNvCxnSpPr>
-            <a:stCxn id="5" idx="1"/>
-            <a:endCxn id="14" idx="5"/>
-          </p:cNvCxnSpPr>
-          <p:nvPr/>
-        </p:nvCxnSpPr>
-        <p:spPr>
-          <a:xfrm flipH="1" flipV="1">
-            <a:off x="6129537" y="4294688"/>
-            <a:ext cx="668361" cy="422460"/>
-          </a:xfrm>
-          <a:prstGeom prst="line">
-            <a:avLst/>
-          </a:prstGeom>
-          <a:ln w="15875">
-            <a:solidFill>
-              <a:schemeClr val="tx1"/>
-            </a:solidFill>
-          </a:ln>
-        </p:spPr>
-        <p:style>
-          <a:lnRef idx="1">
-            <a:schemeClr val="accent1"/>
-          </a:lnRef>
-          <a:fillRef idx="0">
-            <a:schemeClr val="accent1"/>
-          </a:fillRef>
-          <a:effectRef idx="0">
-            <a:schemeClr val="accent1"/>
-          </a:effectRef>
-          <a:fontRef idx="minor">
-            <a:schemeClr val="tx1"/>
-          </a:fontRef>
-        </p:style>
-      </p:cxnSp>
-      <p:cxnSp>
-        <p:nvCxnSpPr>
-          <p:cNvPr id="30" name="直線コネクタ 29"/>
-          <p:cNvCxnSpPr>
-            <a:stCxn id="14" idx="3"/>
-            <a:endCxn id="13" idx="7"/>
-          </p:cNvCxnSpPr>
-          <p:nvPr/>
-        </p:nvCxnSpPr>
-        <p:spPr>
-          <a:xfrm flipH="1">
-            <a:off x="5445431" y="4294688"/>
-            <a:ext cx="378085" cy="722310"/>
-          </a:xfrm>
-          <a:prstGeom prst="line">
-            <a:avLst/>
-          </a:prstGeom>
-          <a:ln w="15875">
-            <a:solidFill>
-              <a:schemeClr val="tx1"/>
-            </a:solidFill>
-          </a:ln>
-        </p:spPr>
-        <p:style>
-          <a:lnRef idx="1">
-            <a:schemeClr val="accent1"/>
-          </a:lnRef>
-          <a:fillRef idx="0">
-            <a:schemeClr val="accent1"/>
-          </a:fillRef>
-          <a:effectRef idx="0">
-            <a:schemeClr val="accent1"/>
-          </a:effectRef>
-          <a:fontRef idx="minor">
-            <a:schemeClr val="tx1"/>
-          </a:fontRef>
-        </p:style>
-      </p:cxnSp>
-      <p:sp>
-        <p:nvSpPr>
-          <p:cNvPr id="31" name="円/楕円 30"/>
-          <p:cNvSpPr/>
-          <p:nvPr/>
-        </p:nvSpPr>
-        <p:spPr>
-          <a:xfrm>
-            <a:off x="7368756" y="3697718"/>
-            <a:ext cx="432779" cy="432779"/>
-          </a:xfrm>
-          <a:prstGeom prst="ellipse">
-            <a:avLst/>
-          </a:prstGeom>
-          <a:noFill/>
-          <a:ln w="19050">
-            <a:solidFill>
-              <a:schemeClr val="tx1"/>
-            </a:solidFill>
-          </a:ln>
-        </p:spPr>
-        <p:style>
-          <a:lnRef idx="2">
-            <a:schemeClr val="accent1">
-              <a:shade val="50000"/>
-            </a:schemeClr>
-          </a:lnRef>
-          <a:fillRef idx="1">
-            <a:schemeClr val="accent1"/>
-          </a:fillRef>
-          <a:effectRef idx="0">
-            <a:schemeClr val="accent1"/>
-          </a:effectRef>
-          <a:fontRef idx="minor">
-            <a:schemeClr val="lt1"/>
-          </a:fontRef>
-        </p:style>
-        <p:txBody>
-          <a:bodyPr rtlCol="0" anchor="ctr"/>
-          <a:lstStyle/>
-          <a:p>
-            <a:pPr algn="ctr"/>
-            <a:endParaRPr kumimoji="1" lang="ja-JP" altLang="en-US" i="1" dirty="0">
+            </a:fontRef>
+          </p:style>
+        </p:cxnSp>
+        <p:cxnSp>
+          <p:nvCxnSpPr>
+            <p:cNvPr id="16" name="直線コネクタ 15"/>
+            <p:cNvCxnSpPr>
+              <a:endCxn id="13" idx="1"/>
+            </p:cNvCxnSpPr>
+            <p:nvPr/>
+          </p:nvCxnSpPr>
+          <p:spPr>
+            <a:xfrm>
+              <a:off x="6265703" y="1038874"/>
+              <a:ext cx="733653" cy="620848"/>
+            </a:xfrm>
+            <a:prstGeom prst="line">
+              <a:avLst/>
+            </a:prstGeom>
+            <a:ln w="15875">
               <a:solidFill>
                 <a:schemeClr val="tx1"/>
               </a:solidFill>
-            </a:endParaRPr>
-          </a:p>
-        </p:txBody>
-      </p:sp>
-      <p:cxnSp>
-        <p:nvCxnSpPr>
-          <p:cNvPr id="32" name="直線コネクタ 31"/>
-          <p:cNvCxnSpPr>
-            <a:endCxn id="13" idx="4"/>
-          </p:cNvCxnSpPr>
-          <p:nvPr/>
-        </p:nvCxnSpPr>
-        <p:spPr>
-          <a:xfrm flipH="1" flipV="1">
-            <a:off x="7152367" y="2029122"/>
-            <a:ext cx="432779" cy="1668596"/>
-          </a:xfrm>
-          <a:prstGeom prst="line">
-            <a:avLst/>
-          </a:prstGeom>
-          <a:ln w="15875">
-            <a:solidFill>
+            </a:ln>
+          </p:spPr>
+          <p:style>
+            <a:lnRef idx="1">
+              <a:schemeClr val="accent1"/>
+            </a:lnRef>
+            <a:fillRef idx="0">
+              <a:schemeClr val="accent1"/>
+            </a:fillRef>
+            <a:effectRef idx="0">
+              <a:schemeClr val="accent1"/>
+            </a:effectRef>
+            <a:fontRef idx="minor">
               <a:schemeClr val="tx1"/>
-            </a:solidFill>
-          </a:ln>
-        </p:spPr>
-        <p:style>
-          <a:lnRef idx="1">
-            <a:schemeClr val="accent1"/>
-          </a:lnRef>
-          <a:fillRef idx="0">
-            <a:schemeClr val="accent1"/>
-          </a:fillRef>
-          <a:effectRef idx="0">
-            <a:schemeClr val="accent1"/>
-          </a:effectRef>
-          <a:fontRef idx="minor">
-            <a:schemeClr val="tx1"/>
-          </a:fontRef>
-        </p:style>
-      </p:cxnSp>
-      <p:cxnSp>
-        <p:nvCxnSpPr>
-          <p:cNvPr id="33" name="直線コネクタ 32"/>
-          <p:cNvCxnSpPr>
-            <a:stCxn id="7" idx="7"/>
-          </p:cNvCxnSpPr>
-          <p:nvPr/>
-        </p:nvCxnSpPr>
-        <p:spPr>
-          <a:xfrm flipV="1">
-            <a:off x="7103919" y="4130497"/>
-            <a:ext cx="481227" cy="586651"/>
-          </a:xfrm>
-          <a:prstGeom prst="line">
-            <a:avLst/>
-          </a:prstGeom>
-          <a:ln w="15875">
-            <a:solidFill>
-              <a:schemeClr val="tx1"/>
-            </a:solidFill>
-          </a:ln>
-        </p:spPr>
-        <p:style>
-          <a:lnRef idx="1">
-            <a:schemeClr val="accent1"/>
-          </a:lnRef>
-          <a:fillRef idx="0">
-            <a:schemeClr val="accent1"/>
-          </a:fillRef>
-          <a:effectRef idx="0">
-            <a:schemeClr val="accent1"/>
-          </a:effectRef>
-          <a:fontRef idx="minor">
-            <a:schemeClr val="tx1"/>
-          </a:fontRef>
-        </p:style>
-      </p:cxnSp>
-      <p:cxnSp>
-        <p:nvCxnSpPr>
-          <p:cNvPr id="42" name="直線コネクタ 41"/>
-          <p:cNvCxnSpPr>
-            <a:stCxn id="10" idx="5"/>
-            <a:endCxn id="81" idx="1"/>
-          </p:cNvCxnSpPr>
-          <p:nvPr/>
-        </p:nvCxnSpPr>
-        <p:spPr>
-          <a:xfrm>
-            <a:off x="5759683" y="2505318"/>
-            <a:ext cx="98820" cy="457791"/>
-          </a:xfrm>
-          <a:prstGeom prst="line">
-            <a:avLst/>
-          </a:prstGeom>
-          <a:ln w="15875">
-            <a:solidFill>
-              <a:schemeClr val="tx1"/>
-            </a:solidFill>
-          </a:ln>
-        </p:spPr>
-        <p:style>
-          <a:lnRef idx="1">
-            <a:schemeClr val="accent1"/>
-          </a:lnRef>
-          <a:fillRef idx="0">
-            <a:schemeClr val="accent1"/>
-          </a:fillRef>
-          <a:effectRef idx="0">
-            <a:schemeClr val="accent1"/>
-          </a:effectRef>
-          <a:fontRef idx="minor">
-            <a:schemeClr val="tx1"/>
-          </a:fontRef>
-        </p:style>
-      </p:cxnSp>
-      <p:sp>
-        <p:nvSpPr>
-          <p:cNvPr id="81" name="円/楕円 80"/>
-          <p:cNvSpPr/>
-          <p:nvPr/>
-        </p:nvSpPr>
-        <p:spPr>
-          <a:xfrm>
-            <a:off x="5795124" y="2899730"/>
-            <a:ext cx="432779" cy="432779"/>
-          </a:xfrm>
-          <a:prstGeom prst="ellipse">
-            <a:avLst/>
-          </a:prstGeom>
-          <a:noFill/>
-          <a:ln w="19050">
-            <a:solidFill>
-              <a:schemeClr val="tx1"/>
-            </a:solidFill>
-          </a:ln>
-        </p:spPr>
-        <p:style>
-          <a:lnRef idx="2">
-            <a:schemeClr val="accent1">
-              <a:shade val="50000"/>
-            </a:schemeClr>
-          </a:lnRef>
-          <a:fillRef idx="1">
-            <a:schemeClr val="accent1"/>
-          </a:fillRef>
-          <a:effectRef idx="0">
-            <a:schemeClr val="accent1"/>
-          </a:effectRef>
-          <a:fontRef idx="minor">
-            <a:schemeClr val="lt1"/>
-          </a:fontRef>
-        </p:style>
-        <p:txBody>
-          <a:bodyPr rtlCol="0" anchor="ctr"/>
-          <a:lstStyle/>
-          <a:p>
-            <a:pPr algn="ctr"/>
-            <a:endParaRPr kumimoji="1" lang="ja-JP" altLang="en-US" i="1" dirty="0">
+            </a:fontRef>
+          </p:style>
+        </p:cxnSp>
+        <p:cxnSp>
+          <p:nvCxnSpPr>
+            <p:cNvPr id="17" name="直線コネクタ 16"/>
+            <p:cNvCxnSpPr>
+              <a:endCxn id="15" idx="0"/>
+            </p:cNvCxnSpPr>
+            <p:nvPr/>
+          </p:nvCxnSpPr>
+          <p:spPr>
+            <a:xfrm>
+              <a:off x="4539061" y="3914108"/>
+              <a:ext cx="753360" cy="1039511"/>
+            </a:xfrm>
+            <a:prstGeom prst="line">
+              <a:avLst/>
+            </a:prstGeom>
+            <a:ln w="50800">
               <a:solidFill>
                 <a:schemeClr val="tx1"/>
               </a:solidFill>
-            </a:endParaRPr>
-          </a:p>
-        </p:txBody>
-      </p:sp>
+            </a:ln>
+          </p:spPr>
+          <p:style>
+            <a:lnRef idx="1">
+              <a:schemeClr val="accent1"/>
+            </a:lnRef>
+            <a:fillRef idx="0">
+              <a:schemeClr val="accent1"/>
+            </a:fillRef>
+            <a:effectRef idx="0">
+              <a:schemeClr val="accent1"/>
+            </a:effectRef>
+            <a:fontRef idx="minor">
+              <a:schemeClr val="tx1"/>
+            </a:fontRef>
+          </p:style>
+        </p:cxnSp>
+        <p:cxnSp>
+          <p:nvCxnSpPr>
+            <p:cNvPr id="19" name="直線コネクタ 18"/>
+            <p:cNvCxnSpPr>
+              <a:stCxn id="12" idx="3"/>
+              <a:endCxn id="7" idx="0"/>
+            </p:cNvCxnSpPr>
+            <p:nvPr/>
+          </p:nvCxnSpPr>
+          <p:spPr>
+            <a:xfrm flipH="1">
+              <a:off x="4539061" y="1706765"/>
+              <a:ext cx="383959" cy="1774564"/>
+            </a:xfrm>
+            <a:prstGeom prst="line">
+              <a:avLst/>
+            </a:prstGeom>
+            <a:ln w="50800">
+              <a:solidFill>
+                <a:schemeClr val="tx1"/>
+              </a:solidFill>
+            </a:ln>
+          </p:spPr>
+          <p:style>
+            <a:lnRef idx="1">
+              <a:schemeClr val="accent1"/>
+            </a:lnRef>
+            <a:fillRef idx="0">
+              <a:schemeClr val="accent1"/>
+            </a:fillRef>
+            <a:effectRef idx="0">
+              <a:schemeClr val="accent1"/>
+            </a:effectRef>
+            <a:fontRef idx="minor">
+              <a:schemeClr val="tx1"/>
+            </a:fontRef>
+          </p:style>
+        </p:cxnSp>
+        <p:cxnSp>
+          <p:nvCxnSpPr>
+            <p:cNvPr id="21" name="直線コネクタ 20"/>
+            <p:cNvCxnSpPr>
+              <a:stCxn id="15" idx="5"/>
+              <a:endCxn id="6" idx="1"/>
+            </p:cNvCxnSpPr>
+            <p:nvPr/>
+          </p:nvCxnSpPr>
+          <p:spPr>
+            <a:xfrm>
+              <a:off x="5445431" y="5323019"/>
+              <a:ext cx="361851" cy="441139"/>
+            </a:xfrm>
+            <a:prstGeom prst="line">
+              <a:avLst/>
+            </a:prstGeom>
+            <a:ln w="50800">
+              <a:solidFill>
+                <a:schemeClr val="tx1"/>
+              </a:solidFill>
+              <a:tailEnd type="triangle" w="lg" len="med"/>
+            </a:ln>
+          </p:spPr>
+          <p:style>
+            <a:lnRef idx="1">
+              <a:schemeClr val="accent1"/>
+            </a:lnRef>
+            <a:fillRef idx="0">
+              <a:schemeClr val="accent1"/>
+            </a:fillRef>
+            <a:effectRef idx="0">
+              <a:schemeClr val="accent1"/>
+            </a:effectRef>
+            <a:fontRef idx="minor">
+              <a:schemeClr val="tx1"/>
+            </a:fontRef>
+          </p:style>
+        </p:cxnSp>
+        <p:cxnSp>
+          <p:nvCxnSpPr>
+            <p:cNvPr id="22" name="直線コネクタ 21"/>
+            <p:cNvCxnSpPr>
+              <a:stCxn id="6" idx="2"/>
+              <a:endCxn id="12" idx="0"/>
+            </p:cNvCxnSpPr>
+            <p:nvPr/>
+          </p:nvCxnSpPr>
+          <p:spPr>
+            <a:xfrm flipH="1">
+              <a:off x="5076031" y="884880"/>
+              <a:ext cx="820272" cy="452485"/>
+            </a:xfrm>
+            <a:prstGeom prst="line">
+              <a:avLst/>
+            </a:prstGeom>
+            <a:ln w="50800">
+              <a:solidFill>
+                <a:schemeClr val="tx1"/>
+              </a:solidFill>
+            </a:ln>
+          </p:spPr>
+          <p:style>
+            <a:lnRef idx="1">
+              <a:schemeClr val="accent1"/>
+            </a:lnRef>
+            <a:fillRef idx="0">
+              <a:schemeClr val="accent1"/>
+            </a:fillRef>
+            <a:effectRef idx="0">
+              <a:schemeClr val="accent1"/>
+            </a:effectRef>
+            <a:fontRef idx="minor">
+              <a:schemeClr val="tx1"/>
+            </a:fontRef>
+          </p:style>
+        </p:cxnSp>
+        <p:cxnSp>
+          <p:nvCxnSpPr>
+            <p:cNvPr id="23" name="直線コネクタ 22"/>
+            <p:cNvCxnSpPr>
+              <a:endCxn id="12" idx="0"/>
+            </p:cNvCxnSpPr>
+            <p:nvPr/>
+          </p:nvCxnSpPr>
+          <p:spPr>
+            <a:xfrm flipH="1">
+              <a:off x="5606673" y="1102660"/>
+              <a:ext cx="506020" cy="1033258"/>
+            </a:xfrm>
+            <a:prstGeom prst="line">
+              <a:avLst/>
+            </a:prstGeom>
+            <a:ln w="15875">
+              <a:solidFill>
+                <a:schemeClr val="tx1"/>
+              </a:solidFill>
+            </a:ln>
+          </p:spPr>
+          <p:style>
+            <a:lnRef idx="1">
+              <a:schemeClr val="accent1"/>
+            </a:lnRef>
+            <a:fillRef idx="0">
+              <a:schemeClr val="accent1"/>
+            </a:fillRef>
+            <a:effectRef idx="0">
+              <a:schemeClr val="accent1"/>
+            </a:effectRef>
+            <a:fontRef idx="minor">
+              <a:schemeClr val="tx1"/>
+            </a:fontRef>
+          </p:style>
+        </p:cxnSp>
+        <p:cxnSp>
+          <p:nvCxnSpPr>
+            <p:cNvPr id="25" name="直線コネクタ 24"/>
+            <p:cNvCxnSpPr>
+              <a:stCxn id="81" idx="4"/>
+              <a:endCxn id="14" idx="0"/>
+            </p:cNvCxnSpPr>
+            <p:nvPr/>
+          </p:nvCxnSpPr>
+          <p:spPr>
+            <a:xfrm flipH="1">
+              <a:off x="5976527" y="3332509"/>
+              <a:ext cx="34987" cy="592779"/>
+            </a:xfrm>
+            <a:prstGeom prst="line">
+              <a:avLst/>
+            </a:prstGeom>
+            <a:ln w="15875">
+              <a:solidFill>
+                <a:schemeClr val="tx1"/>
+              </a:solidFill>
+            </a:ln>
+          </p:spPr>
+          <p:style>
+            <a:lnRef idx="1">
+              <a:schemeClr val="accent1"/>
+            </a:lnRef>
+            <a:fillRef idx="0">
+              <a:schemeClr val="accent1"/>
+            </a:fillRef>
+            <a:effectRef idx="0">
+              <a:schemeClr val="accent1"/>
+            </a:effectRef>
+            <a:fontRef idx="minor">
+              <a:schemeClr val="tx1"/>
+            </a:fontRef>
+          </p:style>
+        </p:cxnSp>
+        <p:cxnSp>
+          <p:nvCxnSpPr>
+            <p:cNvPr id="27" name="直線コネクタ 26"/>
+            <p:cNvCxnSpPr>
+              <a:endCxn id="10" idx="3"/>
+            </p:cNvCxnSpPr>
+            <p:nvPr/>
+          </p:nvCxnSpPr>
+          <p:spPr>
+            <a:xfrm flipV="1">
+              <a:off x="4755450" y="2505318"/>
+              <a:ext cx="698212" cy="1192401"/>
+            </a:xfrm>
+            <a:prstGeom prst="line">
+              <a:avLst/>
+            </a:prstGeom>
+            <a:ln w="15875">
+              <a:solidFill>
+                <a:schemeClr val="tx1"/>
+              </a:solidFill>
+            </a:ln>
+          </p:spPr>
+          <p:style>
+            <a:lnRef idx="1">
+              <a:schemeClr val="accent1"/>
+            </a:lnRef>
+            <a:fillRef idx="0">
+              <a:schemeClr val="accent1"/>
+            </a:fillRef>
+            <a:effectRef idx="0">
+              <a:schemeClr val="accent1"/>
+            </a:effectRef>
+            <a:fontRef idx="minor">
+              <a:schemeClr val="tx1"/>
+            </a:fontRef>
+          </p:style>
+        </p:cxnSp>
+        <p:cxnSp>
+          <p:nvCxnSpPr>
+            <p:cNvPr id="28" name="直線コネクタ 27"/>
+            <p:cNvCxnSpPr>
+              <a:stCxn id="81" idx="7"/>
+              <a:endCxn id="11" idx="3"/>
+            </p:cNvCxnSpPr>
+            <p:nvPr/>
+          </p:nvCxnSpPr>
+          <p:spPr>
+            <a:xfrm flipV="1">
+              <a:off x="6164524" y="1965743"/>
+              <a:ext cx="834832" cy="997366"/>
+            </a:xfrm>
+            <a:prstGeom prst="line">
+              <a:avLst/>
+            </a:prstGeom>
+            <a:ln w="15875">
+              <a:solidFill>
+                <a:schemeClr val="tx1"/>
+              </a:solidFill>
+            </a:ln>
+          </p:spPr>
+          <p:style>
+            <a:lnRef idx="1">
+              <a:schemeClr val="accent1"/>
+            </a:lnRef>
+            <a:fillRef idx="0">
+              <a:schemeClr val="accent1"/>
+            </a:fillRef>
+            <a:effectRef idx="0">
+              <a:schemeClr val="accent1"/>
+            </a:effectRef>
+            <a:fontRef idx="minor">
+              <a:schemeClr val="tx1"/>
+            </a:fontRef>
+          </p:style>
+        </p:cxnSp>
+        <p:cxnSp>
+          <p:nvCxnSpPr>
+            <p:cNvPr id="29" name="直線コネクタ 28"/>
+            <p:cNvCxnSpPr>
+              <a:stCxn id="5" idx="1"/>
+              <a:endCxn id="14" idx="5"/>
+            </p:cNvCxnSpPr>
+            <p:nvPr/>
+          </p:nvCxnSpPr>
+          <p:spPr>
+            <a:xfrm flipH="1" flipV="1">
+              <a:off x="6129537" y="4294688"/>
+              <a:ext cx="668361" cy="422460"/>
+            </a:xfrm>
+            <a:prstGeom prst="line">
+              <a:avLst/>
+            </a:prstGeom>
+            <a:ln w="15875">
+              <a:solidFill>
+                <a:schemeClr val="tx1"/>
+              </a:solidFill>
+            </a:ln>
+          </p:spPr>
+          <p:style>
+            <a:lnRef idx="1">
+              <a:schemeClr val="accent1"/>
+            </a:lnRef>
+            <a:fillRef idx="0">
+              <a:schemeClr val="accent1"/>
+            </a:fillRef>
+            <a:effectRef idx="0">
+              <a:schemeClr val="accent1"/>
+            </a:effectRef>
+            <a:fontRef idx="minor">
+              <a:schemeClr val="tx1"/>
+            </a:fontRef>
+          </p:style>
+        </p:cxnSp>
+        <p:cxnSp>
+          <p:nvCxnSpPr>
+            <p:cNvPr id="30" name="直線コネクタ 29"/>
+            <p:cNvCxnSpPr>
+              <a:stCxn id="14" idx="3"/>
+              <a:endCxn id="13" idx="7"/>
+            </p:cNvCxnSpPr>
+            <p:nvPr/>
+          </p:nvCxnSpPr>
+          <p:spPr>
+            <a:xfrm flipH="1">
+              <a:off x="5445431" y="4294688"/>
+              <a:ext cx="378085" cy="722310"/>
+            </a:xfrm>
+            <a:prstGeom prst="line">
+              <a:avLst/>
+            </a:prstGeom>
+            <a:ln w="15875">
+              <a:solidFill>
+                <a:schemeClr val="tx1"/>
+              </a:solidFill>
+            </a:ln>
+          </p:spPr>
+          <p:style>
+            <a:lnRef idx="1">
+              <a:schemeClr val="accent1"/>
+            </a:lnRef>
+            <a:fillRef idx="0">
+              <a:schemeClr val="accent1"/>
+            </a:fillRef>
+            <a:effectRef idx="0">
+              <a:schemeClr val="accent1"/>
+            </a:effectRef>
+            <a:fontRef idx="minor">
+              <a:schemeClr val="tx1"/>
+            </a:fontRef>
+          </p:style>
+        </p:cxnSp>
+        <p:sp>
+          <p:nvSpPr>
+            <p:cNvPr id="31" name="円/楕円 30"/>
+            <p:cNvSpPr/>
+            <p:nvPr/>
+          </p:nvSpPr>
+          <p:spPr>
+            <a:xfrm>
+              <a:off x="7368756" y="3697718"/>
+              <a:ext cx="432779" cy="432779"/>
+            </a:xfrm>
+            <a:prstGeom prst="ellipse">
+              <a:avLst/>
+            </a:prstGeom>
+            <a:noFill/>
+            <a:ln w="19050">
+              <a:solidFill>
+                <a:schemeClr val="tx1"/>
+              </a:solidFill>
+            </a:ln>
+          </p:spPr>
+          <p:style>
+            <a:lnRef idx="2">
+              <a:schemeClr val="accent1">
+                <a:shade val="50000"/>
+              </a:schemeClr>
+            </a:lnRef>
+            <a:fillRef idx="1">
+              <a:schemeClr val="accent1"/>
+            </a:fillRef>
+            <a:effectRef idx="0">
+              <a:schemeClr val="accent1"/>
+            </a:effectRef>
+            <a:fontRef idx="minor">
+              <a:schemeClr val="lt1"/>
+            </a:fontRef>
+          </p:style>
+          <p:txBody>
+            <a:bodyPr rtlCol="0" anchor="ctr"/>
+            <a:lstStyle/>
+            <a:p>
+              <a:pPr algn="ctr"/>
+              <a:endParaRPr kumimoji="1" lang="ja-JP" altLang="en-US" i="1" dirty="0">
+                <a:solidFill>
+                  <a:schemeClr val="tx1"/>
+                </a:solidFill>
+              </a:endParaRPr>
+            </a:p>
+          </p:txBody>
+        </p:sp>
+        <p:cxnSp>
+          <p:nvCxnSpPr>
+            <p:cNvPr id="32" name="直線コネクタ 31"/>
+            <p:cNvCxnSpPr>
+              <a:endCxn id="13" idx="4"/>
+            </p:cNvCxnSpPr>
+            <p:nvPr/>
+          </p:nvCxnSpPr>
+          <p:spPr>
+            <a:xfrm flipH="1" flipV="1">
+              <a:off x="7152367" y="2029122"/>
+              <a:ext cx="432779" cy="1668596"/>
+            </a:xfrm>
+            <a:prstGeom prst="line">
+              <a:avLst/>
+            </a:prstGeom>
+            <a:ln w="15875">
+              <a:solidFill>
+                <a:schemeClr val="tx1"/>
+              </a:solidFill>
+            </a:ln>
+          </p:spPr>
+          <p:style>
+            <a:lnRef idx="1">
+              <a:schemeClr val="accent1"/>
+            </a:lnRef>
+            <a:fillRef idx="0">
+              <a:schemeClr val="accent1"/>
+            </a:fillRef>
+            <a:effectRef idx="0">
+              <a:schemeClr val="accent1"/>
+            </a:effectRef>
+            <a:fontRef idx="minor">
+              <a:schemeClr val="tx1"/>
+            </a:fontRef>
+          </p:style>
+        </p:cxnSp>
+        <p:cxnSp>
+          <p:nvCxnSpPr>
+            <p:cNvPr id="33" name="直線コネクタ 32"/>
+            <p:cNvCxnSpPr>
+              <a:stCxn id="7" idx="7"/>
+            </p:cNvCxnSpPr>
+            <p:nvPr/>
+          </p:nvCxnSpPr>
+          <p:spPr>
+            <a:xfrm flipV="1">
+              <a:off x="7103919" y="4130497"/>
+              <a:ext cx="481227" cy="586651"/>
+            </a:xfrm>
+            <a:prstGeom prst="line">
+              <a:avLst/>
+            </a:prstGeom>
+            <a:ln w="15875">
+              <a:solidFill>
+                <a:schemeClr val="tx1"/>
+              </a:solidFill>
+            </a:ln>
+          </p:spPr>
+          <p:style>
+            <a:lnRef idx="1">
+              <a:schemeClr val="accent1"/>
+            </a:lnRef>
+            <a:fillRef idx="0">
+              <a:schemeClr val="accent1"/>
+            </a:fillRef>
+            <a:effectRef idx="0">
+              <a:schemeClr val="accent1"/>
+            </a:effectRef>
+            <a:fontRef idx="minor">
+              <a:schemeClr val="tx1"/>
+            </a:fontRef>
+          </p:style>
+        </p:cxnSp>
+        <p:cxnSp>
+          <p:nvCxnSpPr>
+            <p:cNvPr id="42" name="直線コネクタ 41"/>
+            <p:cNvCxnSpPr>
+              <a:stCxn id="10" idx="5"/>
+              <a:endCxn id="81" idx="1"/>
+            </p:cNvCxnSpPr>
+            <p:nvPr/>
+          </p:nvCxnSpPr>
+          <p:spPr>
+            <a:xfrm>
+              <a:off x="5759683" y="2505318"/>
+              <a:ext cx="98820" cy="457791"/>
+            </a:xfrm>
+            <a:prstGeom prst="line">
+              <a:avLst/>
+            </a:prstGeom>
+            <a:ln w="15875">
+              <a:solidFill>
+                <a:schemeClr val="tx1"/>
+              </a:solidFill>
+            </a:ln>
+          </p:spPr>
+          <p:style>
+            <a:lnRef idx="1">
+              <a:schemeClr val="accent1"/>
+            </a:lnRef>
+            <a:fillRef idx="0">
+              <a:schemeClr val="accent1"/>
+            </a:fillRef>
+            <a:effectRef idx="0">
+              <a:schemeClr val="accent1"/>
+            </a:effectRef>
+            <a:fontRef idx="minor">
+              <a:schemeClr val="tx1"/>
+            </a:fontRef>
+          </p:style>
+        </p:cxnSp>
+        <p:sp>
+          <p:nvSpPr>
+            <p:cNvPr id="81" name="円/楕円 80"/>
+            <p:cNvSpPr/>
+            <p:nvPr/>
+          </p:nvSpPr>
+          <p:spPr>
+            <a:xfrm>
+              <a:off x="5795124" y="2899730"/>
+              <a:ext cx="432779" cy="432779"/>
+            </a:xfrm>
+            <a:prstGeom prst="ellipse">
+              <a:avLst/>
+            </a:prstGeom>
+            <a:noFill/>
+            <a:ln w="19050">
+              <a:solidFill>
+                <a:schemeClr val="tx1"/>
+              </a:solidFill>
+            </a:ln>
+          </p:spPr>
+          <p:style>
+            <a:lnRef idx="2">
+              <a:schemeClr val="accent1">
+                <a:shade val="50000"/>
+              </a:schemeClr>
+            </a:lnRef>
+            <a:fillRef idx="1">
+              <a:schemeClr val="accent1"/>
+            </a:fillRef>
+            <a:effectRef idx="0">
+              <a:schemeClr val="accent1"/>
+            </a:effectRef>
+            <a:fontRef idx="minor">
+              <a:schemeClr val="lt1"/>
+            </a:fontRef>
+          </p:style>
+          <p:txBody>
+            <a:bodyPr rtlCol="0" anchor="ctr"/>
+            <a:lstStyle/>
+            <a:p>
+              <a:pPr algn="ctr"/>
+              <a:endParaRPr kumimoji="1" lang="ja-JP" altLang="en-US" i="1" dirty="0">
+                <a:solidFill>
+                  <a:schemeClr val="tx1"/>
+                </a:solidFill>
+              </a:endParaRPr>
+            </a:p>
+          </p:txBody>
+        </p:sp>
+      </p:grpSp>
     </p:spTree>
     <p:extLst>
       <p:ext uri="{BB962C8B-B14F-4D97-AF65-F5344CB8AC3E}">
